--- a/model_evaluation/confusion_matrix/images/decision_threshold_and_recall.pptx
+++ b/model_evaluation/confusion_matrix/images/decision_threshold_and_recall.pptx
@@ -104,6 +104,11 @@
       </a:defRPr>
     </a:lvl9pPr>
   </p:defaultTextStyle>
+  <p:extLst>
+    <p:ext uri="{EFAFB233-063F-42B5-8137-9DF3F51BA10A}">
+      <p15:sldGuideLst xmlns:p15="http://schemas.microsoft.com/office/powerpoint/2012/main"/>
+    </p:ext>
+  </p:extLst>
 </p:presentation>
 </file>
 
@@ -3384,8 +3389,8 @@
             <p:nvPr/>
           </p:nvSpPr>
           <p:spPr>
-            <a:xfrm>
-              <a:off x="5368477" y="838993"/>
+            <a:xfrm rot="21327146">
+              <a:off x="4161056" y="958598"/>
               <a:ext cx="3266238" cy="630992"/>
             </a:xfrm>
             <a:prstGeom prst="roundRect">
@@ -3431,13 +3436,15 @@
                 </a:ext>
               </a:extLst>
             </p:cNvPr>
-            <p:cNvCxnSpPr/>
+            <p:cNvCxnSpPr>
+              <a:cxnSpLocks/>
+            </p:cNvCxnSpPr>
             <p:nvPr/>
           </p:nvCxnSpPr>
           <p:spPr>
             <a:xfrm flipH="1">
-              <a:off x="6263013" y="1172241"/>
-              <a:ext cx="1828347" cy="0"/>
+              <a:off x="5024065" y="1188429"/>
+              <a:ext cx="1921266" cy="273876"/>
             </a:xfrm>
             <a:prstGeom prst="straightConnector1">
               <a:avLst/>
@@ -3517,7 +3524,7 @@
           </p:nvSpPr>
           <p:spPr>
             <a:xfrm>
-              <a:off x="7201646" y="970339"/>
+              <a:off x="5756717" y="1041873"/>
               <a:ext cx="74917" cy="81151"/>
             </a:xfrm>
             <a:prstGeom prst="ellipse">
